--- a/Agro Cane/Algoritmo/Prototipação_Dashboard_AgroCane.pptx
+++ b/Agro Cane/Algoritmo/Prototipação_Dashboard_AgroCane.pptx
@@ -112,6 +112,11 @@
       </a:defRPr>
     </a:lvl9pPr>
   </p:defaultTextStyle>
+  <p:extLst>
+    <p:ext uri="{EFAFB233-063F-42B5-8137-9DF3F51BA10A}">
+      <p15:sldGuideLst xmlns:p15="http://schemas.microsoft.com/office/powerpoint/2012/main"/>
+    </p:ext>
+  </p:extLst>
 </p:presentation>
 </file>
 
@@ -4721,7 +4726,7 @@
           <a:p>
             <a:fld id="{AF6C68C9-DC2D-425A-9FDC-E1DA8A529781}" type="datetimeFigureOut">
               <a:rPr lang="pt-BR" smtClean="0"/>
-              <a:t>28/05/2021</a:t>
+              <a:t>10/06/2021</a:t>
             </a:fld>
             <a:endParaRPr lang="pt-BR"/>
           </a:p>
@@ -6000,7 +6005,7 @@
           <a:p>
             <a:fld id="{9D9BCEB7-4A87-4FA6-97C8-AAD53A2515B2}" type="datetimeFigureOut">
               <a:rPr lang="pt-BR" smtClean="0"/>
-              <a:t>28/05/2021</a:t>
+              <a:t>10/06/2021</a:t>
             </a:fld>
             <a:endParaRPr lang="pt-BR"/>
           </a:p>
@@ -6198,7 +6203,7 @@
           <a:p>
             <a:fld id="{9D9BCEB7-4A87-4FA6-97C8-AAD53A2515B2}" type="datetimeFigureOut">
               <a:rPr lang="pt-BR" smtClean="0"/>
-              <a:t>28/05/2021</a:t>
+              <a:t>10/06/2021</a:t>
             </a:fld>
             <a:endParaRPr lang="pt-BR"/>
           </a:p>
@@ -6406,7 +6411,7 @@
           <a:p>
             <a:fld id="{9D9BCEB7-4A87-4FA6-97C8-AAD53A2515B2}" type="datetimeFigureOut">
               <a:rPr lang="pt-BR" smtClean="0"/>
-              <a:t>28/05/2021</a:t>
+              <a:t>10/06/2021</a:t>
             </a:fld>
             <a:endParaRPr lang="pt-BR"/>
           </a:p>
@@ -6604,7 +6609,7 @@
           <a:p>
             <a:fld id="{9D9BCEB7-4A87-4FA6-97C8-AAD53A2515B2}" type="datetimeFigureOut">
               <a:rPr lang="pt-BR" smtClean="0"/>
-              <a:t>28/05/2021</a:t>
+              <a:t>10/06/2021</a:t>
             </a:fld>
             <a:endParaRPr lang="pt-BR"/>
           </a:p>
@@ -6879,7 +6884,7 @@
           <a:p>
             <a:fld id="{9D9BCEB7-4A87-4FA6-97C8-AAD53A2515B2}" type="datetimeFigureOut">
               <a:rPr lang="pt-BR" smtClean="0"/>
-              <a:t>28/05/2021</a:t>
+              <a:t>10/06/2021</a:t>
             </a:fld>
             <a:endParaRPr lang="pt-BR"/>
           </a:p>
@@ -7144,7 +7149,7 @@
           <a:p>
             <a:fld id="{9D9BCEB7-4A87-4FA6-97C8-AAD53A2515B2}" type="datetimeFigureOut">
               <a:rPr lang="pt-BR" smtClean="0"/>
-              <a:t>28/05/2021</a:t>
+              <a:t>10/06/2021</a:t>
             </a:fld>
             <a:endParaRPr lang="pt-BR"/>
           </a:p>
@@ -7556,7 +7561,7 @@
           <a:p>
             <a:fld id="{9D9BCEB7-4A87-4FA6-97C8-AAD53A2515B2}" type="datetimeFigureOut">
               <a:rPr lang="pt-BR" smtClean="0"/>
-              <a:t>28/05/2021</a:t>
+              <a:t>10/06/2021</a:t>
             </a:fld>
             <a:endParaRPr lang="pt-BR"/>
           </a:p>
@@ -7697,7 +7702,7 @@
           <a:p>
             <a:fld id="{9D9BCEB7-4A87-4FA6-97C8-AAD53A2515B2}" type="datetimeFigureOut">
               <a:rPr lang="pt-BR" smtClean="0"/>
-              <a:t>28/05/2021</a:t>
+              <a:t>10/06/2021</a:t>
             </a:fld>
             <a:endParaRPr lang="pt-BR"/>
           </a:p>
@@ -7810,7 +7815,7 @@
           <a:p>
             <a:fld id="{9D9BCEB7-4A87-4FA6-97C8-AAD53A2515B2}" type="datetimeFigureOut">
               <a:rPr lang="pt-BR" smtClean="0"/>
-              <a:t>28/05/2021</a:t>
+              <a:t>10/06/2021</a:t>
             </a:fld>
             <a:endParaRPr lang="pt-BR"/>
           </a:p>
@@ -8121,7 +8126,7 @@
           <a:p>
             <a:fld id="{9D9BCEB7-4A87-4FA6-97C8-AAD53A2515B2}" type="datetimeFigureOut">
               <a:rPr lang="pt-BR" smtClean="0"/>
-              <a:t>28/05/2021</a:t>
+              <a:t>10/06/2021</a:t>
             </a:fld>
             <a:endParaRPr lang="pt-BR"/>
           </a:p>
@@ -8409,7 +8414,7 @@
           <a:p>
             <a:fld id="{9D9BCEB7-4A87-4FA6-97C8-AAD53A2515B2}" type="datetimeFigureOut">
               <a:rPr lang="pt-BR" smtClean="0"/>
-              <a:t>28/05/2021</a:t>
+              <a:t>10/06/2021</a:t>
             </a:fld>
             <a:endParaRPr lang="pt-BR"/>
           </a:p>
@@ -8650,7 +8655,7 @@
           <a:p>
             <a:fld id="{9D9BCEB7-4A87-4FA6-97C8-AAD53A2515B2}" type="datetimeFigureOut">
               <a:rPr lang="pt-BR" smtClean="0"/>
-              <a:t>28/05/2021</a:t>
+              <a:t>10/06/2021</a:t>
             </a:fld>
             <a:endParaRPr lang="pt-BR"/>
           </a:p>
@@ -16511,6 +16516,74 @@
                 </a:outerShdw>
               </a:effectLst>
             </a:endParaRPr>
+          </a:p>
+        </p:txBody>
+      </p:sp>
+      <p:sp>
+        <p:nvSpPr>
+          <p:cNvPr id="2" name="Retângulo 1">
+            <a:extLst>
+              <a:ext uri="{FF2B5EF4-FFF2-40B4-BE49-F238E27FC236}">
+                <a16:creationId xmlns:a16="http://schemas.microsoft.com/office/drawing/2014/main" id="{14D14E4A-1575-492F-B368-7949180F7244}"/>
+              </a:ext>
+            </a:extLst>
+          </p:cNvPr>
+          <p:cNvSpPr/>
+          <p:nvPr/>
+        </p:nvSpPr>
+        <p:spPr>
+          <a:xfrm rot="20502149">
+            <a:off x="3311521" y="1498771"/>
+            <a:ext cx="7875994" cy="2568600"/>
+          </a:xfrm>
+          <a:prstGeom prst="rect">
+            <a:avLst/>
+          </a:prstGeom>
+          <a:solidFill>
+            <a:srgbClr val="FF0000"/>
+          </a:solidFill>
+          <a:ln w="57150">
+            <a:solidFill>
+              <a:schemeClr val="tx1"/>
+            </a:solidFill>
+          </a:ln>
+        </p:spPr>
+        <p:style>
+          <a:lnRef idx="2">
+            <a:schemeClr val="accent1">
+              <a:shade val="50000"/>
+            </a:schemeClr>
+          </a:lnRef>
+          <a:fillRef idx="1">
+            <a:schemeClr val="accent1"/>
+          </a:fillRef>
+          <a:effectRef idx="0">
+            <a:schemeClr val="accent1"/>
+          </a:effectRef>
+          <a:fontRef idx="minor">
+            <a:schemeClr val="lt1"/>
+          </a:fontRef>
+        </p:style>
+        <p:txBody>
+          <a:bodyPr rtlCol="0" anchor="ctr"/>
+          <a:lstStyle/>
+          <a:p>
+            <a:pPr algn="ctr"/>
+            <a:r>
+              <a:rPr lang="pt-BR" sz="4400" b="1" dirty="0">
+                <a:solidFill>
+                  <a:schemeClr val="bg1"/>
+                </a:solidFill>
+                <a:effectLst>
+                  <a:outerShdw blurRad="38100" dist="38100" dir="2700000" algn="tl">
+                    <a:srgbClr val="000000">
+                      <a:alpha val="43137"/>
+                    </a:srgbClr>
+                  </a:outerShdw>
+                </a:effectLst>
+              </a:rPr>
+              <a:t>É UMA SIMULAÇÃO, BURRO!</a:t>
+            </a:r>
           </a:p>
         </p:txBody>
       </p:sp>
